--- a/basisgroupwebsitefall2022/Kelcema Audio Demo.pptx
+++ b/basisgroupwebsitefall2022/Kelcema Audio Demo.pptx
@@ -7937,10 +7937,9 @@
 </file>
 
 <file path=customXml/item1.xml><?xml version="1.0" encoding="utf-8"?>
-<ct:contentTypeSchema xmlns:ct="http://schemas.microsoft.com/office/2006/metadata/contentType" xmlns:ma="http://schemas.microsoft.com/office/2006/metadata/properties/metaAttributes" ct:_="" ma:_="" ma:contentTypeName="Document" ma:contentTypeID="0x010100D55E5BB4DA5F6443AA2D270776751FE5" ma:contentTypeVersion="11" ma:contentTypeDescription="Create a new document." ma:contentTypeScope="" ma:versionID="01619829f27fd045e5d46c097218abec">
-  <xsd:schema xmlns:xsd="http://www.w3.org/2001/XMLSchema" xmlns:xs="http://www.w3.org/2001/XMLSchema" xmlns:p="http://schemas.microsoft.com/office/2006/metadata/properties" xmlns:ns2="a07189d5-e569-4b27-83a6-013ca678801d" xmlns:ns3="10fc6d04-92ca-4018-bc6a-2b3d44ab2e66" targetNamespace="http://schemas.microsoft.com/office/2006/metadata/properties" ma:root="true" ma:fieldsID="a088a2ebe3aefbbb6c3fdf8b87c36442" ns2:_="" ns3:_="">
+<ct:contentTypeSchema xmlns:ct="http://schemas.microsoft.com/office/2006/metadata/contentType" xmlns:ma="http://schemas.microsoft.com/office/2006/metadata/properties/metaAttributes" ct:_="" ma:_="" ma:contentTypeName="Document" ma:contentTypeID="0x010100D55E5BB4DA5F6443AA2D270776751FE5" ma:contentTypeVersion="8" ma:contentTypeDescription="Create a new document." ma:contentTypeScope="" ma:versionID="5c0499779b6be118a2f83bc45871a000">
+  <xsd:schema xmlns:xsd="http://www.w3.org/2001/XMLSchema" xmlns:xs="http://www.w3.org/2001/XMLSchema" xmlns:p="http://schemas.microsoft.com/office/2006/metadata/properties" xmlns:ns2="a07189d5-e569-4b27-83a6-013ca678801d" targetNamespace="http://schemas.microsoft.com/office/2006/metadata/properties" ma:root="true" ma:fieldsID="7d5436ff4fa64e99e0fe5ddbec03b7e1" ns2:_="">
     <xsd:import namespace="a07189d5-e569-4b27-83a6-013ca678801d"/>
-    <xsd:import namespace="10fc6d04-92ca-4018-bc6a-2b3d44ab2e66"/>
     <xsd:element name="properties">
       <xsd:complexType>
         <xsd:sequence>
@@ -7955,8 +7954,6 @@
                 <xsd:element ref="ns2:MediaServiceGenerationTime" minOccurs="0"/>
                 <xsd:element ref="ns2:MediaServiceEventHashCode" minOccurs="0"/>
                 <xsd:element ref="ns2:MediaLengthInSeconds" minOccurs="0"/>
-                <xsd:element ref="ns2:lcf76f155ced4ddcb4097134ff3c332f" minOccurs="0"/>
-                <xsd:element ref="ns3:TaxCatchAll" minOccurs="0"/>
               </xsd:all>
             </xsd:complexType>
           </xsd:element>
@@ -8008,28 +8005,6 @@
       <xsd:simpleType>
         <xsd:restriction base="dms:Unknown"/>
       </xsd:simpleType>
-    </xsd:element>
-    <xsd:element name="lcf76f155ced4ddcb4097134ff3c332f" ma:index="17" nillable="true" ma:taxonomy="true" ma:internalName="lcf76f155ced4ddcb4097134ff3c332f" ma:taxonomyFieldName="MediaServiceImageTags" ma:displayName="Image Tags" ma:readOnly="false" ma:fieldId="{5cf76f15-5ced-4ddc-b409-7134ff3c332f}" ma:taxonomyMulti="true" ma:sspId="b1d3d8cf-706b-42f7-b3e3-9b00d5390b34" ma:termSetId="09814cd3-568e-fe90-9814-8d621ff8fb84" ma:anchorId="fba54fb3-c3e1-fe81-a776-ca4b69148c4d" ma:open="true" ma:isKeyword="false">
-      <xsd:complexType>
-        <xsd:sequence>
-          <xsd:element ref="pc:Terms" minOccurs="0" maxOccurs="1"/>
-        </xsd:sequence>
-      </xsd:complexType>
-    </xsd:element>
-  </xsd:schema>
-  <xsd:schema xmlns:xsd="http://www.w3.org/2001/XMLSchema" xmlns:xs="http://www.w3.org/2001/XMLSchema" xmlns:dms="http://schemas.microsoft.com/office/2006/documentManagement/types" xmlns:pc="http://schemas.microsoft.com/office/infopath/2007/PartnerControls" targetNamespace="10fc6d04-92ca-4018-bc6a-2b3d44ab2e66" elementFormDefault="qualified">
-    <xsd:import namespace="http://schemas.microsoft.com/office/2006/documentManagement/types"/>
-    <xsd:import namespace="http://schemas.microsoft.com/office/infopath/2007/PartnerControls"/>
-    <xsd:element name="TaxCatchAll" ma:index="18" nillable="true" ma:displayName="Taxonomy Catch All Column" ma:hidden="true" ma:list="{9ae5c6cf-fa5c-4b96-a7c9-699057149ca9}" ma:internalName="TaxCatchAll" ma:showField="CatchAllData" ma:web="10fc6d04-92ca-4018-bc6a-2b3d44ab2e66">
-      <xsd:complexType>
-        <xsd:complexContent>
-          <xsd:extension base="dms:MultiChoiceLookup">
-            <xsd:sequence>
-              <xsd:element name="Value" type="dms:Lookup" maxOccurs="unbounded" minOccurs="0" nillable="true"/>
-            </xsd:sequence>
-          </xsd:extension>
-        </xsd:complexContent>
-      </xsd:complexType>
     </xsd:element>
   </xsd:schema>
   <xsd:schema xmlns="http://schemas.openxmlformats.org/package/2006/metadata/core-properties" xmlns:xsd="http://www.w3.org/2001/XMLSchema" xmlns:xsi="http://www.w3.org/2001/XMLSchema-instance" xmlns:dc="http://purl.org/dc/elements/1.1/" xmlns:dcterms="http://purl.org/dc/terms/" xmlns:odoc="http://schemas.microsoft.com/internal/obd" targetNamespace="http://schemas.openxmlformats.org/package/2006/metadata/core-properties" elementFormDefault="qualified" attributeFormDefault="unqualified" blockDefault="#all">
@@ -8142,17 +8117,12 @@
 
 <file path=customXml/item3.xml><?xml version="1.0" encoding="utf-8"?>
 <p:properties xmlns:p="http://schemas.microsoft.com/office/2006/metadata/properties" xmlns:xsi="http://www.w3.org/2001/XMLSchema-instance" xmlns:pc="http://schemas.microsoft.com/office/infopath/2007/PartnerControls">
-  <documentManagement>
-    <TaxCatchAll xmlns="10fc6d04-92ca-4018-bc6a-2b3d44ab2e66" xsi:nil="true"/>
-    <lcf76f155ced4ddcb4097134ff3c332f xmlns="a07189d5-e569-4b27-83a6-013ca678801d">
-      <Terms xmlns="http://schemas.microsoft.com/office/infopath/2007/PartnerControls"/>
-    </lcf76f155ced4ddcb4097134ff3c332f>
-  </documentManagement>
+  <documentManagement/>
 </p:properties>
 </file>
 
 <file path=customXml/itemProps1.xml><?xml version="1.0" encoding="utf-8"?>
-<ds:datastoreItem xmlns:ds="http://schemas.openxmlformats.org/officeDocument/2006/customXml" ds:itemID="{FA6E7D6B-34DE-4C07-981B-E186208E4B4E}"/>
+<ds:datastoreItem xmlns:ds="http://schemas.openxmlformats.org/officeDocument/2006/customXml" ds:itemID="{1805A5F1-9FB2-4DE8-9ACB-AED3AF267623}"/>
 </file>
 
 <file path=customXml/itemProps2.xml><?xml version="1.0" encoding="utf-8"?>
